--- a/PowerPoint_Presentation/FaceLock_Presentation.pptx
+++ b/PowerPoint_Presentation/FaceLock_Presentation.pptx
@@ -111,7 +111,52 @@
       </a:defRPr>
     </a:lvl9pPr>
   </p:defaultTextStyle>
+  <p:extLst>
+    <p:ext uri="{EFAFB233-063F-42B5-8137-9DF3F51BA10A}">
+      <p15:sldGuideLst xmlns:p15="http://schemas.microsoft.com/office/powerpoint/2012/main">
+        <p15:guide id="1" orient="horz" pos="2160">
+          <p15:clr>
+            <a:srgbClr val="A4A3A4"/>
+          </p15:clr>
+        </p15:guide>
+        <p15:guide id="2" pos="3840">
+          <p15:clr>
+            <a:srgbClr val="A4A3A4"/>
+          </p15:clr>
+        </p15:guide>
+      </p15:sldGuideLst>
+    </p:ext>
+  </p:extLst>
 </p:presentation>
+</file>
+
+<file path=ppt/changesInfos/changesInfo1.xml><?xml version="1.0" encoding="utf-8"?>
+<pc:chgInfo xmlns:a="http://schemas.openxmlformats.org/drawingml/2006/main" xmlns:r="http://schemas.openxmlformats.org/officeDocument/2006/relationships" xmlns:ac="http://schemas.microsoft.com/office/drawing/2013/main/command" xmlns:pc="http://schemas.microsoft.com/office/powerpoint/2013/main/command">
+  <pc:docChgLst>
+    <pc:chgData name="Shane Vance" userId="0b6fcd52fff6cfb9" providerId="LiveId" clId="{BB477297-2C53-4F30-9C67-9F377C4126B6}"/>
+    <pc:docChg chg="modSld">
+      <pc:chgData name="Shane Vance" userId="0b6fcd52fff6cfb9" providerId="LiveId" clId="{BB477297-2C53-4F30-9C67-9F377C4126B6}" dt="2019-07-19T22:07:26.720" v="9" actId="20577"/>
+      <pc:docMkLst>
+        <pc:docMk/>
+      </pc:docMkLst>
+      <pc:sldChg chg="modSp">
+        <pc:chgData name="Shane Vance" userId="0b6fcd52fff6cfb9" providerId="LiveId" clId="{BB477297-2C53-4F30-9C67-9F377C4126B6}" dt="2019-07-19T22:07:26.720" v="9" actId="20577"/>
+        <pc:sldMkLst>
+          <pc:docMk/>
+          <pc:sldMk cId="3241210886" sldId="257"/>
+        </pc:sldMkLst>
+        <pc:spChg chg="mod">
+          <ac:chgData name="Shane Vance" userId="0b6fcd52fff6cfb9" providerId="LiveId" clId="{BB477297-2C53-4F30-9C67-9F377C4126B6}" dt="2019-07-19T22:07:26.720" v="9" actId="20577"/>
+          <ac:spMkLst>
+            <pc:docMk/>
+            <pc:sldMk cId="3241210886" sldId="257"/>
+            <ac:spMk id="3" creationId="{00000000-0000-0000-0000-000000000000}"/>
+          </ac:spMkLst>
+        </pc:spChg>
+      </pc:sldChg>
+    </pc:docChg>
+  </pc:docChgLst>
+</pc:chgInfo>
 </file>
 
 <file path=ppt/slideLayouts/slideLayout1.xml><?xml version="1.0" encoding="utf-8"?>
@@ -158,10 +203,9 @@
           </a:lstStyle>
           <a:p>
             <a:r>
-              <a:rPr lang="en-US" smtClean="0"/>
+              <a:rPr lang="en-US"/>
               <a:t>Click to edit Master title style</a:t>
             </a:r>
-            <a:endParaRPr lang="en-US"/>
           </a:p>
         </p:txBody>
       </p:sp>
@@ -277,7 +321,7 @@
           </a:lstStyle>
           <a:p>
             <a:r>
-              <a:rPr lang="en-US" smtClean="0"/>
+              <a:rPr lang="en-US"/>
               <a:t>Click to edit Master subtitle style</a:t>
             </a:r>
             <a:endParaRPr lang="en-US" dirty="0"/>
@@ -301,7 +345,7 @@
           <a:p>
             <a:fld id="{D868D4B4-FE31-4478-8E51-1DFBED597A61}" type="datetimeFigureOut">
               <a:rPr lang="en-US" smtClean="0"/>
-              <a:t>6/7/2016</a:t>
+              <a:t>7/19/2019</a:t>
             </a:fld>
             <a:endParaRPr lang="en-US"/>
           </a:p>
@@ -390,10 +434,9 @@
           <a:lstStyle/>
           <a:p>
             <a:r>
-              <a:rPr lang="en-US" smtClean="0"/>
+              <a:rPr lang="en-US"/>
               <a:t>Click to edit Master title style</a:t>
             </a:r>
-            <a:endParaRPr lang="en-US"/>
           </a:p>
         </p:txBody>
       </p:sp>
@@ -414,38 +457,37 @@
           <a:p>
             <a:pPr lvl="0"/>
             <a:r>
-              <a:rPr lang="en-US" smtClean="0"/>
+              <a:rPr lang="en-US"/>
               <a:t>Click to edit Master text styles</a:t>
             </a:r>
           </a:p>
           <a:p>
             <a:pPr lvl="1"/>
             <a:r>
-              <a:rPr lang="en-US" smtClean="0"/>
+              <a:rPr lang="en-US"/>
               <a:t>Second level</a:t>
             </a:r>
           </a:p>
           <a:p>
             <a:pPr lvl="2"/>
             <a:r>
-              <a:rPr lang="en-US" smtClean="0"/>
+              <a:rPr lang="en-US"/>
               <a:t>Third level</a:t>
             </a:r>
           </a:p>
           <a:p>
             <a:pPr lvl="3"/>
             <a:r>
-              <a:rPr lang="en-US" smtClean="0"/>
+              <a:rPr lang="en-US"/>
               <a:t>Fourth level</a:t>
             </a:r>
           </a:p>
           <a:p>
             <a:pPr lvl="4"/>
             <a:r>
-              <a:rPr lang="en-US" smtClean="0"/>
+              <a:rPr lang="en-US"/>
               <a:t>Fifth level</a:t>
             </a:r>
-            <a:endParaRPr lang="en-US"/>
           </a:p>
         </p:txBody>
       </p:sp>
@@ -466,7 +508,7 @@
           <a:p>
             <a:fld id="{D868D4B4-FE31-4478-8E51-1DFBED597A61}" type="datetimeFigureOut">
               <a:rPr lang="en-US" smtClean="0"/>
-              <a:t>6/7/2016</a:t>
+              <a:t>7/19/2019</a:t>
             </a:fld>
             <a:endParaRPr lang="en-US"/>
           </a:p>
@@ -560,10 +602,9 @@
           <a:lstStyle/>
           <a:p>
             <a:r>
-              <a:rPr lang="en-US" smtClean="0"/>
+              <a:rPr lang="en-US"/>
               <a:t>Click to edit Master title style</a:t>
             </a:r>
-            <a:endParaRPr lang="en-US"/>
           </a:p>
         </p:txBody>
       </p:sp>
@@ -589,38 +630,37 @@
           <a:p>
             <a:pPr lvl="0"/>
             <a:r>
-              <a:rPr lang="en-US" smtClean="0"/>
+              <a:rPr lang="en-US"/>
               <a:t>Click to edit Master text styles</a:t>
             </a:r>
           </a:p>
           <a:p>
             <a:pPr lvl="1"/>
             <a:r>
-              <a:rPr lang="en-US" smtClean="0"/>
+              <a:rPr lang="en-US"/>
               <a:t>Second level</a:t>
             </a:r>
           </a:p>
           <a:p>
             <a:pPr lvl="2"/>
             <a:r>
-              <a:rPr lang="en-US" smtClean="0"/>
+              <a:rPr lang="en-US"/>
               <a:t>Third level</a:t>
             </a:r>
           </a:p>
           <a:p>
             <a:pPr lvl="3"/>
             <a:r>
-              <a:rPr lang="en-US" smtClean="0"/>
+              <a:rPr lang="en-US"/>
               <a:t>Fourth level</a:t>
             </a:r>
           </a:p>
           <a:p>
             <a:pPr lvl="4"/>
             <a:r>
-              <a:rPr lang="en-US" smtClean="0"/>
+              <a:rPr lang="en-US"/>
               <a:t>Fifth level</a:t>
             </a:r>
-            <a:endParaRPr lang="en-US"/>
           </a:p>
         </p:txBody>
       </p:sp>
@@ -641,7 +681,7 @@
           <a:p>
             <a:fld id="{D868D4B4-FE31-4478-8E51-1DFBED597A61}" type="datetimeFigureOut">
               <a:rPr lang="en-US" smtClean="0"/>
-              <a:t>6/7/2016</a:t>
+              <a:t>7/19/2019</a:t>
             </a:fld>
             <a:endParaRPr lang="en-US"/>
           </a:p>
@@ -730,10 +770,9 @@
           <a:lstStyle/>
           <a:p>
             <a:r>
-              <a:rPr lang="en-US" smtClean="0"/>
+              <a:rPr lang="en-US"/>
               <a:t>Click to edit Master title style</a:t>
             </a:r>
-            <a:endParaRPr lang="en-US"/>
           </a:p>
         </p:txBody>
       </p:sp>
@@ -754,35 +793,35 @@
           <a:p>
             <a:pPr lvl="0"/>
             <a:r>
-              <a:rPr lang="en-US" smtClean="0"/>
+              <a:rPr lang="en-US"/>
               <a:t>Click to edit Master text styles</a:t>
             </a:r>
           </a:p>
           <a:p>
             <a:pPr lvl="1"/>
             <a:r>
-              <a:rPr lang="en-US" smtClean="0"/>
+              <a:rPr lang="en-US"/>
               <a:t>Second level</a:t>
             </a:r>
           </a:p>
           <a:p>
             <a:pPr lvl="2"/>
             <a:r>
-              <a:rPr lang="en-US" smtClean="0"/>
+              <a:rPr lang="en-US"/>
               <a:t>Third level</a:t>
             </a:r>
           </a:p>
           <a:p>
             <a:pPr lvl="3"/>
             <a:r>
-              <a:rPr lang="en-US" smtClean="0"/>
+              <a:rPr lang="en-US"/>
               <a:t>Fourth level</a:t>
             </a:r>
           </a:p>
           <a:p>
             <a:pPr lvl="4"/>
             <a:r>
-              <a:rPr lang="en-US" smtClean="0"/>
+              <a:rPr lang="en-US"/>
               <a:t>Fifth level</a:t>
             </a:r>
             <a:endParaRPr lang="en-US" dirty="0"/>
@@ -806,7 +845,7 @@
           <a:p>
             <a:fld id="{D868D4B4-FE31-4478-8E51-1DFBED597A61}" type="datetimeFigureOut">
               <a:rPr lang="en-US" smtClean="0"/>
-              <a:t>6/7/2016</a:t>
+              <a:t>7/19/2019</a:t>
             </a:fld>
             <a:endParaRPr lang="en-US"/>
           </a:p>
@@ -904,10 +943,9 @@
           </a:lstStyle>
           <a:p>
             <a:r>
-              <a:rPr lang="en-US" smtClean="0"/>
+              <a:rPr lang="en-US"/>
               <a:t>Click to edit Master title style</a:t>
             </a:r>
-            <a:endParaRPr lang="en-US"/>
           </a:p>
         </p:txBody>
       </p:sp>
@@ -1022,7 +1060,7 @@
           <a:p>
             <a:pPr lvl="0"/>
             <a:r>
-              <a:rPr lang="en-US" smtClean="0"/>
+              <a:rPr lang="en-US"/>
               <a:t>Click to edit Master text styles</a:t>
             </a:r>
           </a:p>
@@ -1045,7 +1083,7 @@
           <a:p>
             <a:fld id="{D868D4B4-FE31-4478-8E51-1DFBED597A61}" type="datetimeFigureOut">
               <a:rPr lang="en-US" smtClean="0"/>
-              <a:t>6/7/2016</a:t>
+              <a:t>7/19/2019</a:t>
             </a:fld>
             <a:endParaRPr lang="en-US"/>
           </a:p>
@@ -1135,7 +1173,7 @@
           <a:p>
             <a:fld id="{D868D4B4-FE31-4478-8E51-1DFBED597A61}" type="datetimeFigureOut">
               <a:rPr lang="en-US" smtClean="0"/>
-              <a:t>6/7/2016</a:t>
+              <a:t>7/19/2019</a:t>
             </a:fld>
             <a:endParaRPr lang="en-US"/>
           </a:p>
@@ -1204,10 +1242,9 @@
           <a:lstStyle/>
           <a:p>
             <a:r>
-              <a:rPr lang="en-US" smtClean="0"/>
+              <a:rPr lang="en-US"/>
               <a:t>Click to edit Master title style</a:t>
             </a:r>
-            <a:endParaRPr lang="en-US"/>
           </a:p>
         </p:txBody>
       </p:sp>
@@ -1233,38 +1270,37 @@
           <a:p>
             <a:pPr lvl="0"/>
             <a:r>
-              <a:rPr lang="en-US" smtClean="0"/>
+              <a:rPr lang="en-US"/>
               <a:t>Click to edit Master text styles</a:t>
             </a:r>
           </a:p>
           <a:p>
             <a:pPr lvl="1"/>
             <a:r>
-              <a:rPr lang="en-US" smtClean="0"/>
+              <a:rPr lang="en-US"/>
               <a:t>Second level</a:t>
             </a:r>
           </a:p>
           <a:p>
             <a:pPr lvl="2"/>
             <a:r>
-              <a:rPr lang="en-US" smtClean="0"/>
+              <a:rPr lang="en-US"/>
               <a:t>Third level</a:t>
             </a:r>
           </a:p>
           <a:p>
             <a:pPr lvl="3"/>
             <a:r>
-              <a:rPr lang="en-US" smtClean="0"/>
+              <a:rPr lang="en-US"/>
               <a:t>Fourth level</a:t>
             </a:r>
           </a:p>
           <a:p>
             <a:pPr lvl="4"/>
             <a:r>
-              <a:rPr lang="en-US" smtClean="0"/>
+              <a:rPr lang="en-US"/>
               <a:t>Fifth level</a:t>
             </a:r>
-            <a:endParaRPr lang="en-US"/>
           </a:p>
         </p:txBody>
       </p:sp>
@@ -1290,38 +1326,37 @@
           <a:p>
             <a:pPr lvl="0"/>
             <a:r>
-              <a:rPr lang="en-US" smtClean="0"/>
+              <a:rPr lang="en-US"/>
               <a:t>Click to edit Master text styles</a:t>
             </a:r>
           </a:p>
           <a:p>
             <a:pPr lvl="1"/>
             <a:r>
-              <a:rPr lang="en-US" smtClean="0"/>
+              <a:rPr lang="en-US"/>
               <a:t>Second level</a:t>
             </a:r>
           </a:p>
           <a:p>
             <a:pPr lvl="2"/>
             <a:r>
-              <a:rPr lang="en-US" smtClean="0"/>
+              <a:rPr lang="en-US"/>
               <a:t>Third level</a:t>
             </a:r>
           </a:p>
           <a:p>
             <a:pPr lvl="3"/>
             <a:r>
-              <a:rPr lang="en-US" smtClean="0"/>
+              <a:rPr lang="en-US"/>
               <a:t>Fourth level</a:t>
             </a:r>
           </a:p>
           <a:p>
             <a:pPr lvl="4"/>
             <a:r>
-              <a:rPr lang="en-US" smtClean="0"/>
+              <a:rPr lang="en-US"/>
               <a:t>Fifth level</a:t>
             </a:r>
-            <a:endParaRPr lang="en-US"/>
           </a:p>
         </p:txBody>
       </p:sp>
@@ -1415,7 +1450,7 @@
           <a:p>
             <a:pPr lvl="0"/>
             <a:r>
-              <a:rPr lang="en-US" smtClean="0"/>
+              <a:rPr lang="en-US"/>
               <a:t>Click to edit Master text styles</a:t>
             </a:r>
           </a:p>
@@ -1486,7 +1521,7 @@
           <a:p>
             <a:pPr lvl="0"/>
             <a:r>
-              <a:rPr lang="en-US" smtClean="0"/>
+              <a:rPr lang="en-US"/>
               <a:t>Click to edit Master text styles</a:t>
             </a:r>
           </a:p>
@@ -1509,7 +1544,7 @@
           <a:p>
             <a:fld id="{D868D4B4-FE31-4478-8E51-1DFBED597A61}" type="datetimeFigureOut">
               <a:rPr lang="en-US" smtClean="0"/>
-              <a:t>6/7/2016</a:t>
+              <a:t>7/19/2019</a:t>
             </a:fld>
             <a:endParaRPr lang="en-US"/>
           </a:p>
@@ -1578,7 +1613,7 @@
           <a:lstStyle/>
           <a:p>
             <a:r>
-              <a:rPr lang="en-US" smtClean="0"/>
+              <a:rPr lang="en-US"/>
               <a:t>Click to edit Master title style</a:t>
             </a:r>
             <a:endParaRPr lang="en-US" dirty="0"/>
@@ -1607,35 +1642,35 @@
           <a:p>
             <a:pPr lvl="0"/>
             <a:r>
-              <a:rPr lang="en-US" smtClean="0"/>
+              <a:rPr lang="en-US"/>
               <a:t>Click to edit Master text styles</a:t>
             </a:r>
           </a:p>
           <a:p>
             <a:pPr lvl="1"/>
             <a:r>
-              <a:rPr lang="en-US" smtClean="0"/>
+              <a:rPr lang="en-US"/>
               <a:t>Second level</a:t>
             </a:r>
           </a:p>
           <a:p>
             <a:pPr lvl="2"/>
             <a:r>
-              <a:rPr lang="en-US" smtClean="0"/>
+              <a:rPr lang="en-US"/>
               <a:t>Third level</a:t>
             </a:r>
           </a:p>
           <a:p>
             <a:pPr lvl="3"/>
             <a:r>
-              <a:rPr lang="en-US" smtClean="0"/>
+              <a:rPr lang="en-US"/>
               <a:t>Fourth level</a:t>
             </a:r>
           </a:p>
           <a:p>
             <a:pPr lvl="4"/>
             <a:r>
-              <a:rPr lang="en-US" smtClean="0"/>
+              <a:rPr lang="en-US"/>
               <a:t>Fifth level</a:t>
             </a:r>
             <a:endParaRPr lang="en-US" dirty="0"/>
@@ -1664,35 +1699,35 @@
           <a:p>
             <a:pPr lvl="0"/>
             <a:r>
-              <a:rPr lang="en-US" smtClean="0"/>
+              <a:rPr lang="en-US"/>
               <a:t>Click to edit Master text styles</a:t>
             </a:r>
           </a:p>
           <a:p>
             <a:pPr lvl="1"/>
             <a:r>
-              <a:rPr lang="en-US" smtClean="0"/>
+              <a:rPr lang="en-US"/>
               <a:t>Second level</a:t>
             </a:r>
           </a:p>
           <a:p>
             <a:pPr lvl="2"/>
             <a:r>
-              <a:rPr lang="en-US" smtClean="0"/>
+              <a:rPr lang="en-US"/>
               <a:t>Third level</a:t>
             </a:r>
           </a:p>
           <a:p>
             <a:pPr lvl="3"/>
             <a:r>
-              <a:rPr lang="en-US" smtClean="0"/>
+              <a:rPr lang="en-US"/>
               <a:t>Fourth level</a:t>
             </a:r>
           </a:p>
           <a:p>
             <a:pPr lvl="4"/>
             <a:r>
-              <a:rPr lang="en-US" smtClean="0"/>
+              <a:rPr lang="en-US"/>
               <a:t>Fifth level</a:t>
             </a:r>
             <a:endParaRPr lang="en-US" dirty="0"/>
@@ -1740,10 +1775,9 @@
           <a:lstStyle/>
           <a:p>
             <a:r>
-              <a:rPr lang="en-US" smtClean="0"/>
+              <a:rPr lang="en-US"/>
               <a:t>Click to edit Master title style</a:t>
             </a:r>
-            <a:endParaRPr lang="en-US"/>
           </a:p>
         </p:txBody>
       </p:sp>
@@ -1764,7 +1798,7 @@
           <a:p>
             <a:fld id="{D868D4B4-FE31-4478-8E51-1DFBED597A61}" type="datetimeFigureOut">
               <a:rPr lang="en-US" smtClean="0"/>
-              <a:t>6/7/2016</a:t>
+              <a:t>7/19/2019</a:t>
             </a:fld>
             <a:endParaRPr lang="en-US"/>
           </a:p>
@@ -1854,7 +1888,7 @@
           <a:p>
             <a:fld id="{D868D4B4-FE31-4478-8E51-1DFBED597A61}" type="datetimeFigureOut">
               <a:rPr lang="en-US" smtClean="0"/>
-              <a:t>6/7/2016</a:t>
+              <a:t>7/19/2019</a:t>
             </a:fld>
             <a:endParaRPr lang="en-US"/>
           </a:p>
@@ -1954,7 +1988,7 @@
           </a:lstStyle>
           <a:p>
             <a:r>
-              <a:rPr lang="en-US" smtClean="0"/>
+              <a:rPr lang="en-US"/>
               <a:t>Click to edit Master title style</a:t>
             </a:r>
             <a:endParaRPr lang="en-US" dirty="0"/>
@@ -2011,35 +2045,35 @@
           <a:p>
             <a:pPr lvl="0"/>
             <a:r>
-              <a:rPr lang="en-US" smtClean="0"/>
+              <a:rPr lang="en-US"/>
               <a:t>Click to edit Master text styles</a:t>
             </a:r>
           </a:p>
           <a:p>
             <a:pPr lvl="1"/>
             <a:r>
-              <a:rPr lang="en-US" smtClean="0"/>
+              <a:rPr lang="en-US"/>
               <a:t>Second level</a:t>
             </a:r>
           </a:p>
           <a:p>
             <a:pPr lvl="2"/>
             <a:r>
-              <a:rPr lang="en-US" smtClean="0"/>
+              <a:rPr lang="en-US"/>
               <a:t>Third level</a:t>
             </a:r>
           </a:p>
           <a:p>
             <a:pPr lvl="3"/>
             <a:r>
-              <a:rPr lang="en-US" smtClean="0"/>
+              <a:rPr lang="en-US"/>
               <a:t>Fourth level</a:t>
             </a:r>
           </a:p>
           <a:p>
             <a:pPr lvl="4"/>
             <a:r>
-              <a:rPr lang="en-US" smtClean="0"/>
+              <a:rPr lang="en-US"/>
               <a:t>Fifth level</a:t>
             </a:r>
             <a:endParaRPr lang="en-US" dirty="0"/>
@@ -2105,7 +2139,7 @@
           <a:p>
             <a:pPr lvl="0"/>
             <a:r>
-              <a:rPr lang="en-US" smtClean="0"/>
+              <a:rPr lang="en-US"/>
               <a:t>Click to edit Master text styles</a:t>
             </a:r>
           </a:p>
@@ -2128,7 +2162,7 @@
           <a:p>
             <a:fld id="{D868D4B4-FE31-4478-8E51-1DFBED597A61}" type="datetimeFigureOut">
               <a:rPr lang="en-US" smtClean="0"/>
-              <a:t>6/7/2016</a:t>
+              <a:t>7/19/2019</a:t>
             </a:fld>
             <a:endParaRPr lang="en-US"/>
           </a:p>
@@ -2228,7 +2262,7 @@
           </a:lstStyle>
           <a:p>
             <a:r>
-              <a:rPr lang="en-US" smtClean="0"/>
+              <a:rPr lang="en-US"/>
               <a:t>Click to edit Master title style</a:t>
             </a:r>
             <a:endParaRPr lang="en-US" dirty="0"/>
@@ -2311,7 +2345,7 @@
           </a:lstStyle>
           <a:p>
             <a:r>
-              <a:rPr lang="en-US" smtClean="0"/>
+              <a:rPr lang="en-US"/>
               <a:t>Click icon to add picture</a:t>
             </a:r>
             <a:endParaRPr lang="en-US" dirty="0"/>
@@ -2377,7 +2411,7 @@
           <a:p>
             <a:pPr lvl="0"/>
             <a:r>
-              <a:rPr lang="en-US" smtClean="0"/>
+              <a:rPr lang="en-US"/>
               <a:t>Click to edit Master text styles</a:t>
             </a:r>
           </a:p>
@@ -2400,7 +2434,7 @@
           <a:p>
             <a:fld id="{D868D4B4-FE31-4478-8E51-1DFBED597A61}" type="datetimeFigureOut">
               <a:rPr lang="en-US" smtClean="0"/>
-              <a:t>6/7/2016</a:t>
+              <a:t>7/19/2019</a:t>
             </a:fld>
             <a:endParaRPr lang="en-US"/>
           </a:p>
@@ -2596,7 +2630,7 @@
           <a:lstStyle/>
           <a:p>
             <a:r>
-              <a:rPr lang="en-US" smtClean="0"/>
+              <a:rPr lang="en-US"/>
               <a:t>Click to edit Master title style</a:t>
             </a:r>
             <a:endParaRPr lang="en-US" dirty="0"/>
@@ -2630,38 +2664,38 @@
           <a:p>
             <a:pPr lvl="0"/>
             <a:r>
-              <a:rPr lang="en-US" smtClean="0"/>
+              <a:rPr lang="en-US"/>
               <a:t>Click to edit Master text styles</a:t>
             </a:r>
           </a:p>
           <a:p>
             <a:pPr lvl="1"/>
             <a:r>
-              <a:rPr lang="en-US" smtClean="0"/>
+              <a:rPr lang="en-US"/>
               <a:t>Second level</a:t>
             </a:r>
           </a:p>
           <a:p>
             <a:pPr lvl="2"/>
             <a:r>
-              <a:rPr lang="en-US" smtClean="0"/>
+              <a:rPr lang="en-US"/>
               <a:t>Third level</a:t>
             </a:r>
           </a:p>
           <a:p>
             <a:pPr lvl="3"/>
             <a:r>
-              <a:rPr lang="en-US" smtClean="0"/>
+              <a:rPr lang="en-US"/>
               <a:t>Fourth level</a:t>
             </a:r>
           </a:p>
           <a:p>
             <a:pPr lvl="4"/>
             <a:r>
-              <a:rPr lang="en-US" smtClean="0"/>
+              <a:rPr lang="en-US"/>
               <a:t>Fifth level</a:t>
             </a:r>
-            <a:endParaRPr lang="en-US" dirty="0" smtClean="0"/>
+            <a:endParaRPr lang="en-US" dirty="0"/>
           </a:p>
         </p:txBody>
       </p:sp>
@@ -2700,7 +2734,7 @@
           <a:p>
             <a:fld id="{D868D4B4-FE31-4478-8E51-1DFBED597A61}" type="datetimeFigureOut">
               <a:rPr lang="en-US" smtClean="0"/>
-              <a:t>6/7/2016</a:t>
+              <a:t>7/19/2019</a:t>
             </a:fld>
             <a:endParaRPr lang="en-US"/>
           </a:p>
@@ -3165,11 +3199,11 @@
           <a:lstStyle/>
           <a:p>
             <a:r>
-              <a:rPr lang="en-US" dirty="0" smtClean="0"/>
+              <a:rPr lang="en-US" dirty="0"/>
               <a:t>                                       </a:t>
             </a:r>
             <a:r>
-              <a:rPr lang="en-US" dirty="0" err="1" smtClean="0"/>
+              <a:rPr lang="en-US" dirty="0" err="1"/>
               <a:t>FaceLock</a:t>
             </a:r>
             <a:endParaRPr lang="en-US" dirty="0"/>
@@ -3200,50 +3234,32 @@
           <a:p>
             <a:pPr algn="l"/>
             <a:r>
-              <a:rPr lang="en-US" dirty="0" smtClean="0"/>
-              <a:t>                              </a:t>
-            </a:r>
-            <a:r>
-              <a:rPr lang="en-US" dirty="0" smtClean="0"/>
-              <a:t>Project Members: </a:t>
-            </a:r>
-            <a:r>
-              <a:rPr lang="en-US" dirty="0" smtClean="0"/>
-              <a:t>Shane Vance, </a:t>
-            </a:r>
-            <a:r>
-              <a:rPr lang="en-US" dirty="0" err="1" smtClean="0"/>
+              <a:rPr lang="en-US" dirty="0"/>
+              <a:t>                              Project Members: Shane Vance, </a:t>
+            </a:r>
+            <a:r>
+              <a:rPr lang="en-US" dirty="0" err="1"/>
               <a:t>Bardia</a:t>
             </a:r>
             <a:r>
-              <a:rPr lang="en-US" dirty="0" smtClean="0"/>
+              <a:rPr lang="en-US" dirty="0"/>
               <a:t> Borhani, and Alex </a:t>
             </a:r>
             <a:r>
-              <a:rPr lang="en-US" dirty="0" err="1" smtClean="0"/>
+              <a:rPr lang="en-US" dirty="0" err="1"/>
               <a:t>Puga</a:t>
             </a:r>
             <a:r>
-              <a:rPr lang="en-US" dirty="0" smtClean="0"/>
+              <a:rPr lang="en-US" dirty="0"/>
               <a:t> </a:t>
             </a:r>
-            <a:endParaRPr lang="en-US" dirty="0"/>
           </a:p>
           <a:p>
             <a:pPr algn="l"/>
             <a:r>
-              <a:rPr lang="en-US" dirty="0" smtClean="0"/>
-              <a:t>                              Faculty </a:t>
-            </a:r>
-            <a:r>
-              <a:rPr lang="en-US" dirty="0" smtClean="0"/>
-              <a:t>Coach: </a:t>
-            </a:r>
-            <a:r>
-              <a:rPr lang="en-US" dirty="0" smtClean="0"/>
-              <a:t>Bill Iverson</a:t>
-            </a:r>
-            <a:endParaRPr lang="en-US" dirty="0"/>
+              <a:rPr lang="en-US" dirty="0"/>
+              <a:t>                              Faculty Coach: Bill Iverson</a:t>
+            </a:r>
           </a:p>
         </p:txBody>
       </p:sp>
@@ -3260,13 +3276,6 @@
   <p:transition spd="slow">
     <p:push dir="u"/>
   </p:transition>
-  <p:timing>
-    <p:tnLst>
-      <p:par>
-        <p:cTn id="1" dur="indefinite" restart="never" nodeType="tmRoot"/>
-      </p:par>
-    </p:tnLst>
-  </p:timing>
 </p:sld>
 </file>
 
@@ -3310,10 +3319,9 @@
           <a:lstStyle/>
           <a:p>
             <a:r>
-              <a:rPr lang="en-US" sz="5000" dirty="0" smtClean="0"/>
+              <a:rPr lang="en-US" sz="5000" dirty="0"/>
               <a:t>Introduction and Background</a:t>
             </a:r>
-            <a:endParaRPr lang="en-US" sz="5000" dirty="0"/>
           </a:p>
         </p:txBody>
       </p:sp>
@@ -3340,143 +3348,99 @@
           <a:lstStyle/>
           <a:p>
             <a:r>
-              <a:rPr lang="en-US" sz="2800" dirty="0" smtClean="0"/>
+              <a:rPr lang="en-US" sz="2800" dirty="0"/>
               <a:t> </a:t>
             </a:r>
             <a:r>
-              <a:rPr lang="en-US" sz="3200" dirty="0" smtClean="0"/>
-              <a:t>What </a:t>
-            </a:r>
-            <a:r>
-              <a:rPr lang="en-US" sz="3200" dirty="0" smtClean="0"/>
-              <a:t>is it? </a:t>
-            </a:r>
-            <a:endParaRPr lang="en-US" sz="3200" dirty="0"/>
+              <a:rPr lang="en-US" sz="3200" dirty="0"/>
+              <a:t>What is it? </a:t>
+            </a:r>
           </a:p>
           <a:p>
             <a:pPr lvl="1"/>
             <a:r>
-              <a:rPr lang="en-US" sz="2400" dirty="0" smtClean="0"/>
-              <a:t>Facial </a:t>
-            </a:r>
-            <a:r>
-              <a:rPr lang="en-US" sz="2400" dirty="0" smtClean="0"/>
-              <a:t>detection and tracking program</a:t>
-            </a:r>
-          </a:p>
-          <a:p>
-            <a:r>
-              <a:rPr lang="en-US" sz="3200" dirty="0" smtClean="0"/>
+              <a:rPr lang="en-US" sz="2400" dirty="0"/>
+              <a:t>Facial detection and tracking program</a:t>
+            </a:r>
+          </a:p>
+          <a:p>
+            <a:r>
+              <a:rPr lang="en-US" sz="3200" dirty="0"/>
               <a:t> Inspiration</a:t>
             </a:r>
-            <a:endParaRPr lang="en-US" sz="3200" dirty="0" smtClean="0"/>
           </a:p>
           <a:p>
             <a:pPr lvl="1"/>
             <a:r>
               <a:rPr lang="en-US" sz="2400" dirty="0"/>
-              <a:t>F</a:t>
-            </a:r>
-            <a:r>
-              <a:rPr lang="en-US" sz="2400" dirty="0" smtClean="0"/>
-              <a:t>irst saw project on </a:t>
-            </a:r>
-            <a:r>
-              <a:rPr lang="en-US" sz="2400" dirty="0" err="1" smtClean="0"/>
+              <a:t>First saw project on </a:t>
+            </a:r>
+            <a:r>
+              <a:rPr lang="en-US" sz="2400" dirty="0" err="1"/>
               <a:t>Instructables</a:t>
             </a:r>
-            <a:endParaRPr lang="en-US" sz="2400" dirty="0" smtClean="0"/>
-          </a:p>
-          <a:p>
-            <a:r>
-              <a:rPr lang="en-US" sz="3200" dirty="0" smtClean="0"/>
-              <a:t> Why </a:t>
-            </a:r>
-            <a:r>
-              <a:rPr lang="en-US" sz="3200" dirty="0" smtClean="0"/>
-              <a:t>this project?</a:t>
+            <a:endParaRPr lang="en-US" sz="2400" dirty="0"/>
+          </a:p>
+          <a:p>
+            <a:r>
+              <a:rPr lang="en-US" sz="3200" dirty="0"/>
+              <a:t> Why this project?</a:t>
             </a:r>
           </a:p>
           <a:p>
             <a:pPr lvl="1"/>
             <a:r>
-              <a:rPr lang="en-US" sz="2400" dirty="0" smtClean="0"/>
-              <a:t>Irritation</a:t>
-            </a:r>
+              <a:rPr lang="en-US" sz="2400"/>
+              <a:t>Interesting, </a:t>
+            </a:r>
+            <a:endParaRPr lang="en-US" sz="2400" dirty="0"/>
+          </a:p>
+          <a:p>
+            <a:pPr lvl="1"/>
             <a:r>
               <a:rPr lang="en-US" sz="2400" dirty="0"/>
-              <a:t>, </a:t>
-            </a:r>
-            <a:endParaRPr lang="en-US" sz="2400" dirty="0" smtClean="0"/>
+              <a:t>Improve security, </a:t>
+            </a:r>
           </a:p>
           <a:p>
             <a:pPr lvl="1"/>
             <a:r>
               <a:rPr lang="en-US" sz="2400" dirty="0"/>
-              <a:t>I</a:t>
-            </a:r>
-            <a:r>
-              <a:rPr lang="en-US" sz="2400" dirty="0" smtClean="0"/>
-              <a:t>mprove security, </a:t>
+              <a:t>Improve coding abilities, </a:t>
             </a:r>
           </a:p>
           <a:p>
             <a:pPr lvl="1"/>
             <a:r>
               <a:rPr lang="en-US" sz="2400" dirty="0"/>
-              <a:t>I</a:t>
-            </a:r>
-            <a:r>
-              <a:rPr lang="en-US" sz="2400" dirty="0" smtClean="0"/>
-              <a:t>mprove coding abilities, </a:t>
+              <a:t>Build real world application, </a:t>
             </a:r>
           </a:p>
           <a:p>
             <a:pPr lvl="1"/>
             <a:r>
-              <a:rPr lang="en-US" sz="2400" dirty="0" smtClean="0"/>
-              <a:t>Build real </a:t>
-            </a:r>
-            <a:r>
               <a:rPr lang="en-US" sz="2400" dirty="0"/>
-              <a:t>world application, </a:t>
-            </a:r>
-            <a:endParaRPr lang="en-US" sz="2400" dirty="0" smtClean="0"/>
+              <a:t>Work as a team</a:t>
+            </a:r>
+          </a:p>
+          <a:p>
+            <a:r>
+              <a:rPr lang="en-US" sz="3200" dirty="0"/>
+              <a:t> Project Objective</a:t>
+            </a:r>
           </a:p>
           <a:p>
             <a:pPr lvl="1"/>
             <a:r>
               <a:rPr lang="en-US" sz="2400" dirty="0"/>
-              <a:t>W</a:t>
-            </a:r>
-            <a:r>
-              <a:rPr lang="en-US" sz="2400" dirty="0" smtClean="0"/>
-              <a:t>ork as a team</a:t>
-            </a:r>
-          </a:p>
-          <a:p>
-            <a:r>
-              <a:rPr lang="en-US" sz="3200" dirty="0" smtClean="0"/>
-              <a:t> Project </a:t>
-            </a:r>
-            <a:r>
-              <a:rPr lang="en-US" sz="3200" dirty="0" smtClean="0"/>
-              <a:t>Objective</a:t>
-            </a:r>
-          </a:p>
-          <a:p>
-            <a:pPr lvl="1"/>
-            <a:r>
-              <a:rPr lang="en-US" sz="2400" dirty="0" smtClean="0"/>
               <a:t>Improve live streaming applications and security systems -- used by many </a:t>
             </a:r>
-            <a:endParaRPr lang="en-US" sz="2400" dirty="0"/>
-          </a:p>
-          <a:p>
-            <a:endParaRPr lang="en-US" dirty="0" smtClean="0"/>
-          </a:p>
-          <a:p>
-            <a:endParaRPr lang="en-US" dirty="0" smtClean="0"/>
+          </a:p>
+          <a:p>
+            <a:endParaRPr lang="en-US" dirty="0"/>
+          </a:p>
+          <a:p>
+            <a:endParaRPr lang="en-US" dirty="0"/>
           </a:p>
           <a:p>
             <a:endParaRPr lang="en-US" dirty="0"/>
@@ -3526,13 +3490,6 @@
   <p:transition spd="slow">
     <p:push dir="u"/>
   </p:transition>
-  <p:timing>
-    <p:tnLst>
-      <p:par>
-        <p:cTn id="1" dur="indefinite" restart="never" nodeType="tmRoot"/>
-      </p:par>
-    </p:tnLst>
-  </p:timing>
 </p:sld>
 </file>
 
@@ -3606,10 +3563,9 @@
           <a:lstStyle/>
           <a:p>
             <a:r>
-              <a:rPr lang="en-US" sz="5000" dirty="0" smtClean="0"/>
+              <a:rPr lang="en-US" sz="5000" dirty="0"/>
               <a:t>Project Description</a:t>
             </a:r>
-            <a:endParaRPr lang="en-US" sz="5000" dirty="0"/>
           </a:p>
         </p:txBody>
       </p:sp>
@@ -3636,21 +3592,21 @@
           <a:lstStyle/>
           <a:p>
             <a:r>
-              <a:rPr lang="en-US" sz="2800" dirty="0" smtClean="0"/>
+              <a:rPr lang="en-US" sz="2800" dirty="0"/>
               <a:t> Buying parts -- Amazon (via Michael), </a:t>
             </a:r>
             <a:r>
-              <a:rPr lang="en-US" sz="2800" dirty="0" err="1" smtClean="0"/>
+              <a:rPr lang="en-US" sz="2800" dirty="0" err="1"/>
               <a:t>Instructables</a:t>
             </a:r>
             <a:r>
-              <a:rPr lang="en-US" sz="2800" dirty="0" smtClean="0"/>
+              <a:rPr lang="en-US" sz="2800" dirty="0"/>
               <a:t>, and Shane</a:t>
             </a:r>
           </a:p>
           <a:p>
             <a:r>
-              <a:rPr lang="en-US" sz="2800" dirty="0" smtClean="0"/>
+              <a:rPr lang="en-US" sz="2800" dirty="0"/>
               <a:t> Parts:</a:t>
             </a:r>
           </a:p>
@@ -3660,7 +3616,7 @@
               <a:buAutoNum type="arabicPeriod"/>
             </a:pPr>
             <a:r>
-              <a:rPr lang="en-US" sz="2800" dirty="0" smtClean="0"/>
+              <a:rPr lang="en-US" sz="2800" dirty="0"/>
               <a:t>Webcam </a:t>
             </a:r>
           </a:p>
@@ -3670,7 +3626,7 @@
               <a:buAutoNum type="arabicPeriod"/>
             </a:pPr>
             <a:r>
-              <a:rPr lang="en-US" sz="2800" dirty="0" smtClean="0"/>
+              <a:rPr lang="en-US" sz="2800" dirty="0"/>
               <a:t>Arduino UNO</a:t>
             </a:r>
           </a:p>
@@ -3680,14 +3636,9 @@
               <a:buAutoNum type="arabicPeriod"/>
             </a:pPr>
             <a:r>
-              <a:rPr lang="en-US" sz="2800" dirty="0" smtClean="0"/>
-              <a:t>Power </a:t>
-            </a:r>
-            <a:r>
-              <a:rPr lang="en-US" sz="2800" dirty="0" smtClean="0"/>
-              <a:t>source</a:t>
-            </a:r>
-            <a:endParaRPr lang="en-US" sz="2800" dirty="0" smtClean="0"/>
+              <a:rPr lang="en-US" sz="2800" dirty="0"/>
+              <a:t>Power source</a:t>
+            </a:r>
           </a:p>
           <a:p>
             <a:pPr marL="914400" lvl="1" indent="-457200">
@@ -3695,7 +3646,7 @@
               <a:buAutoNum type="arabicPeriod"/>
             </a:pPr>
             <a:r>
-              <a:rPr lang="en-US" sz="2800" dirty="0" smtClean="0"/>
+              <a:rPr lang="en-US" sz="2800" dirty="0"/>
               <a:t>Jumper wires</a:t>
             </a:r>
           </a:p>
@@ -3705,7 +3656,7 @@
               <a:buAutoNum type="arabicPeriod"/>
             </a:pPr>
             <a:r>
-              <a:rPr lang="en-US" sz="2800" dirty="0" smtClean="0"/>
+              <a:rPr lang="en-US" sz="2800" dirty="0"/>
               <a:t>Hobby wire</a:t>
             </a:r>
           </a:p>
@@ -3715,12 +3666,8 @@
               <a:buAutoNum type="arabicPeriod"/>
             </a:pPr>
             <a:r>
-              <a:rPr lang="en-US" sz="2800" dirty="0" smtClean="0"/>
-              <a:t>Pan/Tilt </a:t>
-            </a:r>
-            <a:r>
-              <a:rPr lang="en-US" sz="2800" dirty="0" smtClean="0"/>
-              <a:t>servos</a:t>
+              <a:rPr lang="en-US" sz="2800" dirty="0"/>
+              <a:t>Pan/Tilt servos</a:t>
             </a:r>
           </a:p>
           <a:p>
@@ -3729,7 +3676,7 @@
               <a:buAutoNum type="arabicPeriod"/>
             </a:pPr>
             <a:r>
-              <a:rPr lang="en-US" sz="2800" dirty="0" smtClean="0"/>
+              <a:rPr lang="en-US" sz="2800" dirty="0"/>
               <a:t>Cardboard box</a:t>
             </a:r>
             <a:endParaRPr lang="en-US" sz="2400" dirty="0"/>
@@ -3762,10 +3709,9 @@
           <a:lstStyle/>
           <a:p>
             <a:r>
-              <a:rPr lang="en-US" sz="2400" b="1" dirty="0" smtClean="0"/>
+              <a:rPr lang="en-US" sz="2400" b="1" dirty="0"/>
               <a:t>1</a:t>
             </a:r>
-            <a:endParaRPr lang="en-US" sz="2400" b="1" dirty="0"/>
           </a:p>
         </p:txBody>
       </p:sp>
@@ -3792,10 +3738,9 @@
           <a:lstStyle/>
           <a:p>
             <a:r>
-              <a:rPr lang="en-US" sz="2400" b="1" dirty="0" smtClean="0"/>
+              <a:rPr lang="en-US" sz="2400" b="1" dirty="0"/>
               <a:t>2</a:t>
             </a:r>
-            <a:endParaRPr lang="en-US" sz="2400" b="1" dirty="0"/>
           </a:p>
         </p:txBody>
       </p:sp>
@@ -3822,10 +3767,9 @@
           <a:lstStyle/>
           <a:p>
             <a:r>
-              <a:rPr lang="en-US" sz="2400" b="1" dirty="0" smtClean="0"/>
+              <a:rPr lang="en-US" sz="2400" b="1" dirty="0"/>
               <a:t>3</a:t>
             </a:r>
-            <a:endParaRPr lang="en-US" sz="2400" b="1" dirty="0"/>
           </a:p>
         </p:txBody>
       </p:sp>
@@ -3852,7 +3796,7 @@
           <a:lstStyle/>
           <a:p>
             <a:r>
-              <a:rPr lang="en-US" sz="2400" b="1" dirty="0" smtClean="0"/>
+              <a:rPr lang="en-US" sz="2400" b="1" dirty="0"/>
               <a:t>4</a:t>
             </a:r>
             <a:endParaRPr lang="en-US" b="1" dirty="0"/>
@@ -3932,13 +3876,6 @@
   <p:transition spd="slow">
     <p:push dir="u"/>
   </p:transition>
-  <p:timing>
-    <p:tnLst>
-      <p:par>
-        <p:cTn id="1" dur="indefinite" restart="never" nodeType="tmRoot"/>
-      </p:par>
-    </p:tnLst>
-  </p:timing>
 </p:sld>
 </file>
 
@@ -4021,12 +3958,8 @@
               </a:lnSpc>
             </a:pPr>
             <a:r>
-              <a:rPr lang="en-US" sz="2800" dirty="0" smtClean="0"/>
-              <a:t> Pan/Tilt </a:t>
-            </a:r>
-            <a:r>
-              <a:rPr lang="en-US" sz="2800" dirty="0" smtClean="0"/>
-              <a:t>servos </a:t>
+              <a:rPr lang="en-US" sz="2800" dirty="0"/>
+              <a:t> Pan/Tilt servos </a:t>
             </a:r>
           </a:p>
           <a:p>
@@ -4036,20 +3969,8 @@
               </a:lnSpc>
             </a:pPr>
             <a:r>
-              <a:rPr lang="en-US" sz="2800" dirty="0" smtClean="0"/>
-              <a:t> Two </a:t>
-            </a:r>
-            <a:r>
-              <a:rPr lang="en-US" sz="2800" dirty="0" smtClean="0"/>
-              <a:t>servos </a:t>
-            </a:r>
-            <a:r>
-              <a:rPr lang="en-US" sz="2800" dirty="0" smtClean="0"/>
-              <a:t>linked </a:t>
-            </a:r>
-            <a:r>
-              <a:rPr lang="en-US" sz="2800" dirty="0" smtClean="0"/>
-              <a:t>together</a:t>
+              <a:rPr lang="en-US" sz="2800" dirty="0"/>
+              <a:t> Two servos linked together</a:t>
             </a:r>
           </a:p>
           <a:p>
@@ -4059,20 +3980,8 @@
               </a:lnSpc>
             </a:pPr>
             <a:r>
-              <a:rPr lang="en-US" sz="2800" dirty="0" smtClean="0"/>
-              <a:t> Connected servos to </a:t>
-            </a:r>
-            <a:r>
-              <a:rPr lang="en-US" sz="2800" dirty="0" smtClean="0"/>
-              <a:t>Arduino </a:t>
-            </a:r>
-            <a:r>
-              <a:rPr lang="en-US" sz="2800" dirty="0" smtClean="0"/>
-              <a:t>via </a:t>
-            </a:r>
-            <a:r>
-              <a:rPr lang="en-US" sz="2800" dirty="0" smtClean="0"/>
-              <a:t>jumper wires</a:t>
+              <a:rPr lang="en-US" sz="2800" dirty="0"/>
+              <a:t> Connected servos to Arduino via jumper wires</a:t>
             </a:r>
           </a:p>
           <a:p>
@@ -4082,46 +3991,29 @@
               </a:lnSpc>
             </a:pPr>
             <a:r>
-              <a:rPr lang="en-US" sz="2800" dirty="0" smtClean="0"/>
-              <a:t> Hobby wire </a:t>
-            </a:r>
-            <a:r>
-              <a:rPr lang="en-US" sz="2800" dirty="0" smtClean="0"/>
-              <a:t>used to hold webcam</a:t>
-            </a:r>
-            <a:r>
-              <a:rPr lang="en-US" sz="2800" dirty="0" smtClean="0"/>
-              <a:t> </a:t>
-            </a:r>
-            <a:r>
               <a:rPr lang="en-US" sz="2800" dirty="0"/>
-              <a:t>to </a:t>
-            </a:r>
-            <a:r>
-              <a:rPr lang="en-US" sz="2800" dirty="0" smtClean="0"/>
-              <a:t>servos</a:t>
-            </a:r>
+              <a:t> Hobby wire used to hold webcam to servos</a:t>
+            </a:r>
+          </a:p>
+          <a:p>
+            <a:pPr lvl="1"/>
             <a:endParaRPr lang="en-US" sz="2800" dirty="0"/>
           </a:p>
           <a:p>
             <a:pPr lvl="1"/>
-            <a:endParaRPr lang="en-US" sz="2800" dirty="0" smtClean="0"/>
+            <a:endParaRPr lang="en-US" sz="2800" dirty="0"/>
           </a:p>
           <a:p>
             <a:pPr lvl="1"/>
-            <a:endParaRPr lang="en-US" sz="2800" dirty="0" smtClean="0"/>
+            <a:endParaRPr lang="en-US" sz="2200" dirty="0"/>
           </a:p>
           <a:p>
             <a:pPr lvl="1"/>
-            <a:endParaRPr lang="en-US" sz="2200" dirty="0" smtClean="0"/>
+            <a:endParaRPr lang="en-US" sz="2200" dirty="0"/>
           </a:p>
           <a:p>
             <a:pPr lvl="1"/>
-            <a:endParaRPr lang="en-US" sz="2200" dirty="0" smtClean="0"/>
-          </a:p>
-          <a:p>
-            <a:pPr lvl="1"/>
-            <a:endParaRPr lang="en-US" sz="2200" dirty="0" smtClean="0"/>
+            <a:endParaRPr lang="en-US" sz="2200" dirty="0"/>
           </a:p>
         </p:txBody>
       </p:sp>
@@ -4167,13 +4059,6 @@
   <p:transition spd="slow">
     <p:push dir="u"/>
   </p:transition>
-  <p:timing>
-    <p:tnLst>
-      <p:par>
-        <p:cTn id="1" dur="indefinite" restart="never" nodeType="tmRoot"/>
-      </p:par>
-    </p:tnLst>
-  </p:timing>
 </p:sld>
 </file>
 
@@ -4253,15 +4138,7 @@
             <a:pPr marL="342900" lvl="1" indent="-342900"/>
             <a:r>
               <a:rPr lang="en-US" sz="2800" dirty="0"/>
-              <a:t>Arduino UNO </a:t>
-            </a:r>
-            <a:r>
-              <a:rPr lang="en-US" sz="2800" dirty="0" smtClean="0"/>
-              <a:t>with </a:t>
-            </a:r>
-            <a:r>
-              <a:rPr lang="en-US" sz="2800" dirty="0"/>
-              <a:t>power source</a:t>
+              <a:t>Arduino UNO with power source</a:t>
             </a:r>
           </a:p>
           <a:p>
@@ -4341,13 +4218,6 @@
   <p:transition spd="slow">
     <p:push dir="u"/>
   </p:transition>
-  <p:timing>
-    <p:tnLst>
-      <p:par>
-        <p:cTn id="1" dur="indefinite" restart="never" nodeType="tmRoot"/>
-      </p:par>
-    </p:tnLst>
-  </p:timing>
 </p:sld>
 </file>
 
@@ -4391,10 +4261,9 @@
           <a:lstStyle/>
           <a:p>
             <a:r>
-              <a:rPr lang="en-US" sz="5000" dirty="0" smtClean="0"/>
+              <a:rPr lang="en-US" sz="5000" dirty="0"/>
               <a:t>Programming</a:t>
             </a:r>
-            <a:endParaRPr lang="en-US" sz="5000" dirty="0"/>
           </a:p>
         </p:txBody>
       </p:sp>
@@ -4655,7 +4524,7 @@
               <a:buChar char="§"/>
             </a:pPr>
             <a:r>
-              <a:rPr lang="en-US" sz="2800" dirty="0" smtClean="0"/>
+              <a:rPr lang="en-US" sz="2800" dirty="0"/>
               <a:t>Planned to use C++, however, opted to use Java</a:t>
             </a:r>
           </a:p>
@@ -4668,7 +4537,7 @@
               <a:buChar char="§"/>
             </a:pPr>
             <a:r>
-              <a:rPr lang="en-US" sz="2800" dirty="0" smtClean="0"/>
+              <a:rPr lang="en-US" sz="2800" dirty="0"/>
               <a:t>Constructed 4 classes</a:t>
             </a:r>
           </a:p>
@@ -4681,10 +4550,9 @@
               <a:buChar char="§"/>
             </a:pPr>
             <a:r>
-              <a:rPr lang="en-US" sz="2400" dirty="0" smtClean="0"/>
+              <a:rPr lang="en-US" sz="2400" dirty="0"/>
               <a:t>GUI, face detection, and processing webcam image</a:t>
             </a:r>
-            <a:endParaRPr lang="en-US" sz="2400" dirty="0" smtClean="0"/>
           </a:p>
           <a:p>
             <a:pPr marL="685800" lvl="2" indent="-285750">
@@ -4695,7 +4563,7 @@
               <a:buChar char="§"/>
             </a:pPr>
             <a:r>
-              <a:rPr lang="en-US" sz="2400" dirty="0" smtClean="0"/>
+              <a:rPr lang="en-US" sz="2400" dirty="0"/>
               <a:t>One for sending coordinates to the Arduino</a:t>
             </a:r>
           </a:p>
@@ -4708,44 +4576,12 @@
               <a:buChar char="§"/>
             </a:pPr>
             <a:r>
-              <a:rPr lang="en-US" sz="2800" dirty="0" err="1" smtClean="0"/>
+              <a:rPr lang="en-US" sz="2800" dirty="0" err="1"/>
               <a:t>OpenCV</a:t>
             </a:r>
             <a:r>
-              <a:rPr lang="en-US" sz="2800" dirty="0" smtClean="0"/>
-              <a:t> </a:t>
-            </a:r>
-            <a:r>
-              <a:rPr lang="en-US" sz="2800" dirty="0" smtClean="0"/>
-              <a:t>(Open </a:t>
-            </a:r>
-            <a:r>
               <a:rPr lang="en-US" sz="2800" dirty="0"/>
-              <a:t>S</a:t>
-            </a:r>
-            <a:r>
-              <a:rPr lang="en-US" sz="2800" dirty="0" smtClean="0"/>
-              <a:t>ource </a:t>
-            </a:r>
-            <a:r>
-              <a:rPr lang="en-US" sz="2800" dirty="0"/>
-              <a:t>C</a:t>
-            </a:r>
-            <a:r>
-              <a:rPr lang="en-US" sz="2800" dirty="0" smtClean="0"/>
-              <a:t>omputer </a:t>
-            </a:r>
-            <a:r>
-              <a:rPr lang="en-US" sz="2800" dirty="0"/>
-              <a:t>V</a:t>
-            </a:r>
-            <a:r>
-              <a:rPr lang="en-US" sz="2800" dirty="0" smtClean="0"/>
-              <a:t>ision</a:t>
-            </a:r>
-            <a:r>
-              <a:rPr lang="en-US" sz="2800" dirty="0" smtClean="0"/>
-              <a:t>)</a:t>
+              <a:t> (Open Source Computer Vision)</a:t>
             </a:r>
           </a:p>
           <a:p>
@@ -4757,10 +4593,9 @@
               <a:buChar char="§"/>
             </a:pPr>
             <a:r>
-              <a:rPr lang="en-US" sz="2400" dirty="0" smtClean="0"/>
+              <a:rPr lang="en-US" sz="2400" dirty="0"/>
               <a:t>Library containing code for facial detection</a:t>
             </a:r>
-            <a:endParaRPr lang="en-US" sz="2400" dirty="0" smtClean="0"/>
           </a:p>
           <a:p>
             <a:pPr marL="685800" lvl="2" indent="-285750">
@@ -4771,10 +4606,10 @@
               <a:buChar char="§"/>
             </a:pPr>
             <a:r>
-              <a:rPr lang="en-US" sz="2400" dirty="0" smtClean="0"/>
+              <a:rPr lang="en-US" sz="2400" dirty="0"/>
               <a:t>Provided by Intel®</a:t>
             </a:r>
-            <a:endParaRPr lang="en-US" sz="2800" dirty="0" smtClean="0"/>
+            <a:endParaRPr lang="en-US" sz="2800" dirty="0"/>
           </a:p>
           <a:p>
             <a:pPr marL="342900" lvl="1" indent="-342900">
@@ -4785,10 +4620,9 @@
               <a:buChar char="§"/>
             </a:pPr>
             <a:r>
-              <a:rPr lang="en-US" sz="2800" dirty="0" smtClean="0"/>
+              <a:rPr lang="en-US" sz="2800" dirty="0"/>
               <a:t>Issues</a:t>
             </a:r>
-            <a:endParaRPr lang="en-US" sz="2800" dirty="0" smtClean="0"/>
           </a:p>
           <a:p>
             <a:pPr marL="685800" lvl="2" indent="-285750">
@@ -4799,10 +4633,9 @@
               <a:buChar char="§"/>
             </a:pPr>
             <a:r>
-              <a:rPr lang="en-US" sz="2400" dirty="0" smtClean="0"/>
+              <a:rPr lang="en-US" sz="2400" dirty="0"/>
               <a:t>Program sometimes freezes and/or lags </a:t>
             </a:r>
-            <a:endParaRPr lang="en-US" sz="2400" dirty="0"/>
           </a:p>
         </p:txBody>
       </p:sp>
@@ -4860,13 +4693,6 @@
   <p:transition spd="slow">
     <p:push dir="u"/>
   </p:transition>
-  <p:timing>
-    <p:tnLst>
-      <p:par>
-        <p:cTn id="1" dur="indefinite" restart="never" nodeType="tmRoot"/>
-      </p:par>
-    </p:tnLst>
-  </p:timing>
 </p:sld>
 </file>
 
@@ -4911,18 +4737,17 @@
           <a:p>
             <a:pPr algn="ctr"/>
             <a:r>
-              <a:rPr lang="en-US" sz="8000" dirty="0" smtClean="0"/>
+              <a:rPr lang="en-US" sz="8000" dirty="0"/>
               <a:t>Let’s show you </a:t>
             </a:r>
             <a:r>
-              <a:rPr lang="en-US" sz="8000" dirty="0" err="1" smtClean="0"/>
+              <a:rPr lang="en-US" sz="8000" dirty="0" err="1"/>
               <a:t>FaceLock</a:t>
             </a:r>
             <a:r>
-              <a:rPr lang="en-US" sz="8000" dirty="0" smtClean="0"/>
+              <a:rPr lang="en-US" sz="8000" dirty="0"/>
               <a:t>!</a:t>
             </a:r>
-            <a:endParaRPr lang="en-US" sz="8000" dirty="0"/>
           </a:p>
         </p:txBody>
       </p:sp>
@@ -4969,13 +4794,6 @@
   <p:transition spd="slow">
     <p:push dir="u"/>
   </p:transition>
-  <p:timing>
-    <p:tnLst>
-      <p:par>
-        <p:cTn id="1" dur="indefinite" restart="never" nodeType="tmRoot"/>
-      </p:par>
-    </p:tnLst>
-  </p:timing>
 </p:sld>
 </file>
 
@@ -5018,40 +4836,24 @@
           </a:bodyPr>
           <a:lstStyle/>
           <a:p>
-            <a:r>
-              <a:rPr lang="en-US" dirty="0" smtClean="0"/>
-              <a:t/>
-            </a:r>
-            <a:br>
-              <a:rPr lang="en-US" dirty="0" smtClean="0"/>
-            </a:br>
-            <a:r>
-              <a:rPr lang="en-US" dirty="0"/>
-              <a:t/>
-            </a:r>
             <a:br>
               <a:rPr lang="en-US" dirty="0"/>
             </a:br>
-            <a:r>
-              <a:rPr lang="en-US" dirty="0" smtClean="0"/>
-              <a:t/>
-            </a:r>
-            <a:br>
-              <a:rPr lang="en-US" dirty="0" smtClean="0"/>
-            </a:br>
-            <a:r>
-              <a:rPr lang="en-US" dirty="0"/>
-              <a:t/>
-            </a:r>
             <a:br>
               <a:rPr lang="en-US" dirty="0"/>
             </a:br>
-            <a:r>
-              <a:rPr lang="en-US" dirty="0" smtClean="0"/>
+            <a:br>
+              <a:rPr lang="en-US" dirty="0"/>
+            </a:br>
+            <a:br>
+              <a:rPr lang="en-US" dirty="0"/>
+            </a:br>
+            <a:r>
+              <a:rPr lang="en-US" dirty="0"/>
               <a:t>Impact/Significance</a:t>
             </a:r>
             <a:br>
-              <a:rPr lang="en-US" dirty="0" smtClean="0"/>
+              <a:rPr lang="en-US" dirty="0"/>
             </a:br>
             <a:endParaRPr lang="en-US" dirty="0"/>
           </a:p>
@@ -5078,63 +4880,26 @@
           <a:lstStyle/>
           <a:p>
             <a:r>
-              <a:rPr lang="en-US" sz="2400" dirty="0" smtClean="0"/>
-              <a:t>This </a:t>
-            </a:r>
-            <a:r>
-              <a:rPr lang="en-US" sz="2400" dirty="0" smtClean="0"/>
-              <a:t>project is the next step to improvement in national security and </a:t>
-            </a:r>
-            <a:r>
-              <a:rPr lang="en-US" sz="2400" dirty="0" smtClean="0"/>
-              <a:t>         monitoring</a:t>
-            </a:r>
-            <a:endParaRPr lang="en-US" sz="2400" dirty="0"/>
-          </a:p>
-          <a:p>
-            <a:r>
-              <a:rPr lang="en-US" sz="2400" dirty="0" smtClean="0"/>
-              <a:t>Expand </a:t>
-            </a:r>
-            <a:r>
-              <a:rPr lang="en-US" sz="2400" dirty="0" smtClean="0"/>
-              <a:t>use of </a:t>
-            </a:r>
-            <a:r>
-              <a:rPr lang="en-US" sz="2400" dirty="0" smtClean="0"/>
-              <a:t>face </a:t>
-            </a:r>
-            <a:r>
-              <a:rPr lang="en-US" sz="2400" dirty="0" smtClean="0"/>
-              <a:t>detection and eventually </a:t>
-            </a:r>
-            <a:r>
-              <a:rPr lang="en-US" sz="2400" dirty="0" smtClean="0"/>
-              <a:t>recognition</a:t>
-            </a:r>
-          </a:p>
-          <a:p>
-            <a:r>
-              <a:rPr lang="en-US" sz="2400" dirty="0" smtClean="0"/>
-              <a:t>Cameras </a:t>
-            </a:r>
-            <a:r>
-              <a:rPr lang="en-US" sz="2400" dirty="0" smtClean="0"/>
-              <a:t>are already used to monitor our home, stores, and buildings around the </a:t>
-            </a:r>
-            <a:r>
-              <a:rPr lang="en-US" sz="2400" dirty="0" smtClean="0"/>
-              <a:t>world</a:t>
-            </a:r>
-          </a:p>
-          <a:p>
-            <a:r>
-              <a:rPr lang="en-US" sz="2400" dirty="0" smtClean="0"/>
-              <a:t>Imagine</a:t>
-            </a:r>
-            <a:r>
-              <a:rPr lang="en-US" sz="2400" dirty="0" smtClean="0"/>
-              <a:t>, these motion cameras could identify thieves and/or criminals</a:t>
+              <a:rPr lang="en-US" sz="2400" dirty="0"/>
+              <a:t>This project is the next step to improvement in national security and          monitoring</a:t>
+            </a:r>
+          </a:p>
+          <a:p>
+            <a:r>
+              <a:rPr lang="en-US" sz="2400" dirty="0"/>
+              <a:t>Expand use of face detection and eventually recognition</a:t>
+            </a:r>
+          </a:p>
+          <a:p>
+            <a:r>
+              <a:rPr lang="en-US" sz="2400" dirty="0"/>
+              <a:t>Cameras are already used to monitor our home, stores, and buildings around the world</a:t>
+            </a:r>
+          </a:p>
+          <a:p>
+            <a:r>
+              <a:rPr lang="en-US" sz="2400" dirty="0"/>
+              <a:t>Imagine, these motion cameras could identify thieves and/or criminals</a:t>
             </a:r>
           </a:p>
           <a:p>
@@ -5185,13 +4950,6 @@
   <p:transition spd="slow">
     <p:push dir="u"/>
   </p:transition>
-  <p:timing>
-    <p:tnLst>
-      <p:par>
-        <p:cTn id="1" dur="indefinite" restart="never" nodeType="tmRoot"/>
-      </p:par>
-    </p:tnLst>
-  </p:timing>
 </p:sld>
 </file>
 
